--- a/docking_v2/Presentation/Проект_v2.pptx
+++ b/docking_v2/Presentation/Проект_v2.pptx
@@ -209,7 +209,7 @@
           <a:p>
             <a:fld id="{968107AC-176A-47DE-9AA5-90EB451E5A3F}" type="datetimeFigureOut">
               <a:rPr lang="ru-RU" smtClean="0"/>
-              <a:t>11.05.2021</a:t>
+              <a:t>13.05.2021</a:t>
             </a:fld>
             <a:endParaRPr lang="ru-RU"/>
           </a:p>
@@ -729,7 +729,7 @@
           <a:p>
             <a:fld id="{55C099F5-F025-44D2-899F-C794BDEC34BF}" type="datetimeFigureOut">
               <a:rPr lang="ru-RU" smtClean="0"/>
-              <a:t>11.05.2021</a:t>
+              <a:t>13.05.2021</a:t>
             </a:fld>
             <a:endParaRPr lang="ru-RU"/>
           </a:p>
@@ -1059,7 +1059,7 @@
           <a:p>
             <a:fld id="{55C099F5-F025-44D2-899F-C794BDEC34BF}" type="datetimeFigureOut">
               <a:rPr lang="ru-RU" smtClean="0"/>
-              <a:t>11.05.2021</a:t>
+              <a:t>13.05.2021</a:t>
             </a:fld>
             <a:endParaRPr lang="ru-RU"/>
           </a:p>
@@ -1239,7 +1239,7 @@
           <a:p>
             <a:fld id="{55C099F5-F025-44D2-899F-C794BDEC34BF}" type="datetimeFigureOut">
               <a:rPr lang="ru-RU" smtClean="0"/>
-              <a:t>11.05.2021</a:t>
+              <a:t>13.05.2021</a:t>
             </a:fld>
             <a:endParaRPr lang="ru-RU"/>
           </a:p>
@@ -1409,7 +1409,7 @@
           <a:p>
             <a:fld id="{55C099F5-F025-44D2-899F-C794BDEC34BF}" type="datetimeFigureOut">
               <a:rPr lang="ru-RU" smtClean="0"/>
-              <a:t>11.05.2021</a:t>
+              <a:t>13.05.2021</a:t>
             </a:fld>
             <a:endParaRPr lang="ru-RU"/>
           </a:p>
@@ -1686,7 +1686,7 @@
           <a:p>
             <a:fld id="{55C099F5-F025-44D2-899F-C794BDEC34BF}" type="datetimeFigureOut">
               <a:rPr lang="ru-RU" smtClean="0"/>
-              <a:t>11.05.2021</a:t>
+              <a:t>13.05.2021</a:t>
             </a:fld>
             <a:endParaRPr lang="ru-RU"/>
           </a:p>
@@ -2080,7 +2080,7 @@
           <a:p>
             <a:fld id="{55C099F5-F025-44D2-899F-C794BDEC34BF}" type="datetimeFigureOut">
               <a:rPr lang="ru-RU" smtClean="0"/>
-              <a:t>11.05.2021</a:t>
+              <a:t>13.05.2021</a:t>
             </a:fld>
             <a:endParaRPr lang="ru-RU"/>
           </a:p>
@@ -2557,7 +2557,7 @@
           <a:p>
             <a:fld id="{55C099F5-F025-44D2-899F-C794BDEC34BF}" type="datetimeFigureOut">
               <a:rPr lang="ru-RU" smtClean="0"/>
-              <a:t>11.05.2021</a:t>
+              <a:t>13.05.2021</a:t>
             </a:fld>
             <a:endParaRPr lang="ru-RU"/>
           </a:p>
@@ -2675,7 +2675,7 @@
           <a:p>
             <a:fld id="{55C099F5-F025-44D2-899F-C794BDEC34BF}" type="datetimeFigureOut">
               <a:rPr lang="ru-RU" smtClean="0"/>
-              <a:t>11.05.2021</a:t>
+              <a:t>13.05.2021</a:t>
             </a:fld>
             <a:endParaRPr lang="ru-RU"/>
           </a:p>
@@ -2770,7 +2770,7 @@
           <a:p>
             <a:fld id="{55C099F5-F025-44D2-899F-C794BDEC34BF}" type="datetimeFigureOut">
               <a:rPr lang="ru-RU" smtClean="0"/>
-              <a:t>11.05.2021</a:t>
+              <a:t>13.05.2021</a:t>
             </a:fld>
             <a:endParaRPr lang="ru-RU"/>
           </a:p>
@@ -3116,7 +3116,7 @@
           <a:p>
             <a:fld id="{55C099F5-F025-44D2-899F-C794BDEC34BF}" type="datetimeFigureOut">
               <a:rPr lang="ru-RU" smtClean="0"/>
-              <a:t>11.05.2021</a:t>
+              <a:t>13.05.2021</a:t>
             </a:fld>
             <a:endParaRPr lang="ru-RU"/>
           </a:p>
@@ -3504,7 +3504,7 @@
           <a:p>
             <a:fld id="{55C099F5-F025-44D2-899F-C794BDEC34BF}" type="datetimeFigureOut">
               <a:rPr lang="ru-RU" smtClean="0"/>
-              <a:t>11.05.2021</a:t>
+              <a:t>13.05.2021</a:t>
             </a:fld>
             <a:endParaRPr lang="ru-RU"/>
           </a:p>
@@ -3782,7 +3782,7 @@
           <a:p>
             <a:fld id="{55C099F5-F025-44D2-899F-C794BDEC34BF}" type="datetimeFigureOut">
               <a:rPr lang="ru-RU" smtClean="0"/>
-              <a:t>11.05.2021</a:t>
+              <a:t>13.05.2021</a:t>
             </a:fld>
             <a:endParaRPr lang="ru-RU"/>
           </a:p>

--- a/docking_v2/Presentation/Проект_v2.pptx
+++ b/docking_v2/Presentation/Проект_v2.pptx
@@ -5,7 +5,7 @@
     <p:sldMasterId id="2147483678" r:id="rId1"/>
   </p:sldMasterIdLst>
   <p:notesMasterIdLst>
-    <p:notesMasterId r:id="rId15"/>
+    <p:notesMasterId r:id="rId16"/>
   </p:notesMasterIdLst>
   <p:sldIdLst>
     <p:sldId id="256" r:id="rId2"/>
@@ -18,9 +18,10 @@
     <p:sldId id="268" r:id="rId9"/>
     <p:sldId id="270" r:id="rId10"/>
     <p:sldId id="271" r:id="rId11"/>
-    <p:sldId id="272" r:id="rId12"/>
-    <p:sldId id="263" r:id="rId13"/>
-    <p:sldId id="264" r:id="rId14"/>
+    <p:sldId id="273" r:id="rId12"/>
+    <p:sldId id="272" r:id="rId13"/>
+    <p:sldId id="263" r:id="rId14"/>
+    <p:sldId id="264" r:id="rId15"/>
   </p:sldIdLst>
   <p:sldSz cx="12192000" cy="6858000"/>
   <p:notesSz cx="6858000" cy="9144000"/>
@@ -209,7 +210,7 @@
           <a:p>
             <a:fld id="{968107AC-176A-47DE-9AA5-90EB451E5A3F}" type="datetimeFigureOut">
               <a:rPr lang="ru-RU" smtClean="0"/>
-              <a:t>13.05.2021</a:t>
+              <a:t>20.05.2021</a:t>
             </a:fld>
             <a:endParaRPr lang="ru-RU"/>
           </a:p>
@@ -729,7 +730,7 @@
           <a:p>
             <a:fld id="{55C099F5-F025-44D2-899F-C794BDEC34BF}" type="datetimeFigureOut">
               <a:rPr lang="ru-RU" smtClean="0"/>
-              <a:t>13.05.2021</a:t>
+              <a:t>20.05.2021</a:t>
             </a:fld>
             <a:endParaRPr lang="ru-RU"/>
           </a:p>
@@ -1059,7 +1060,7 @@
           <a:p>
             <a:fld id="{55C099F5-F025-44D2-899F-C794BDEC34BF}" type="datetimeFigureOut">
               <a:rPr lang="ru-RU" smtClean="0"/>
-              <a:t>13.05.2021</a:t>
+              <a:t>20.05.2021</a:t>
             </a:fld>
             <a:endParaRPr lang="ru-RU"/>
           </a:p>
@@ -1239,7 +1240,7 @@
           <a:p>
             <a:fld id="{55C099F5-F025-44D2-899F-C794BDEC34BF}" type="datetimeFigureOut">
               <a:rPr lang="ru-RU" smtClean="0"/>
-              <a:t>13.05.2021</a:t>
+              <a:t>20.05.2021</a:t>
             </a:fld>
             <a:endParaRPr lang="ru-RU"/>
           </a:p>
@@ -1409,7 +1410,7 @@
           <a:p>
             <a:fld id="{55C099F5-F025-44D2-899F-C794BDEC34BF}" type="datetimeFigureOut">
               <a:rPr lang="ru-RU" smtClean="0"/>
-              <a:t>13.05.2021</a:t>
+              <a:t>20.05.2021</a:t>
             </a:fld>
             <a:endParaRPr lang="ru-RU"/>
           </a:p>
@@ -1686,7 +1687,7 @@
           <a:p>
             <a:fld id="{55C099F5-F025-44D2-899F-C794BDEC34BF}" type="datetimeFigureOut">
               <a:rPr lang="ru-RU" smtClean="0"/>
-              <a:t>13.05.2021</a:t>
+              <a:t>20.05.2021</a:t>
             </a:fld>
             <a:endParaRPr lang="ru-RU"/>
           </a:p>
@@ -2080,7 +2081,7 @@
           <a:p>
             <a:fld id="{55C099F5-F025-44D2-899F-C794BDEC34BF}" type="datetimeFigureOut">
               <a:rPr lang="ru-RU" smtClean="0"/>
-              <a:t>13.05.2021</a:t>
+              <a:t>20.05.2021</a:t>
             </a:fld>
             <a:endParaRPr lang="ru-RU"/>
           </a:p>
@@ -2557,7 +2558,7 @@
           <a:p>
             <a:fld id="{55C099F5-F025-44D2-899F-C794BDEC34BF}" type="datetimeFigureOut">
               <a:rPr lang="ru-RU" smtClean="0"/>
-              <a:t>13.05.2021</a:t>
+              <a:t>20.05.2021</a:t>
             </a:fld>
             <a:endParaRPr lang="ru-RU"/>
           </a:p>
@@ -2675,7 +2676,7 @@
           <a:p>
             <a:fld id="{55C099F5-F025-44D2-899F-C794BDEC34BF}" type="datetimeFigureOut">
               <a:rPr lang="ru-RU" smtClean="0"/>
-              <a:t>13.05.2021</a:t>
+              <a:t>20.05.2021</a:t>
             </a:fld>
             <a:endParaRPr lang="ru-RU"/>
           </a:p>
@@ -2770,7 +2771,7 @@
           <a:p>
             <a:fld id="{55C099F5-F025-44D2-899F-C794BDEC34BF}" type="datetimeFigureOut">
               <a:rPr lang="ru-RU" smtClean="0"/>
-              <a:t>13.05.2021</a:t>
+              <a:t>20.05.2021</a:t>
             </a:fld>
             <a:endParaRPr lang="ru-RU"/>
           </a:p>
@@ -3116,7 +3117,7 @@
           <a:p>
             <a:fld id="{55C099F5-F025-44D2-899F-C794BDEC34BF}" type="datetimeFigureOut">
               <a:rPr lang="ru-RU" smtClean="0"/>
-              <a:t>13.05.2021</a:t>
+              <a:t>20.05.2021</a:t>
             </a:fld>
             <a:endParaRPr lang="ru-RU"/>
           </a:p>
@@ -3504,7 +3505,7 @@
           <a:p>
             <a:fld id="{55C099F5-F025-44D2-899F-C794BDEC34BF}" type="datetimeFigureOut">
               <a:rPr lang="ru-RU" smtClean="0"/>
-              <a:t>13.05.2021</a:t>
+              <a:t>20.05.2021</a:t>
             </a:fld>
             <a:endParaRPr lang="ru-RU"/>
           </a:p>
@@ -3782,7 +3783,7 @@
           <a:p>
             <a:fld id="{55C099F5-F025-44D2-899F-C794BDEC34BF}" type="datetimeFigureOut">
               <a:rPr lang="ru-RU" smtClean="0"/>
-              <a:t>13.05.2021</a:t>
+              <a:t>20.05.2021</a:t>
             </a:fld>
             <a:endParaRPr lang="ru-RU"/>
           </a:p>
@@ -4529,7 +4530,7 @@
           <p:cNvPr id="2" name="Заголовок 1">
             <a:extLst>
               <a:ext uri="{FF2B5EF4-FFF2-40B4-BE49-F238E27FC236}">
-                <a16:creationId xmlns:a16="http://schemas.microsoft.com/office/drawing/2014/main" id="{E26035C0-D543-49CB-BBE5-93EC186C2490}"/>
+                <a16:creationId xmlns:a16="http://schemas.microsoft.com/office/drawing/2014/main" id="{D189BC71-95A5-446C-923F-7CF95FC8F3CD}"/>
               </a:ext>
             </a:extLst>
           </p:cNvPr>
@@ -4540,175 +4541,62 @@
             <p:ph type="title"/>
           </p:nvPr>
         </p:nvSpPr>
-        <p:spPr/>
+        <p:spPr>
+          <a:xfrm>
+            <a:off x="1371600" y="108879"/>
+            <a:ext cx="9601200" cy="1485900"/>
+          </a:xfrm>
+        </p:spPr>
         <p:txBody>
           <a:bodyPr/>
           <a:lstStyle/>
           <a:p>
             <a:r>
               <a:rPr lang="ru-RU" dirty="0"/>
-              <a:t>Итого</a:t>
-            </a:r>
-          </a:p>
-        </p:txBody>
-      </p:sp>
-      <p:sp>
-        <p:nvSpPr>
-          <p:cNvPr id="3" name="Объект 2">
+              <a:t>Возникшие проблемы</a:t>
+            </a:r>
+          </a:p>
+        </p:txBody>
+      </p:sp>
+      <p:pic>
+        <p:nvPicPr>
+          <p:cNvPr id="5" name="Объект 4">
             <a:extLst>
               <a:ext uri="{FF2B5EF4-FFF2-40B4-BE49-F238E27FC236}">
-                <a16:creationId xmlns:a16="http://schemas.microsoft.com/office/drawing/2014/main" id="{A00870E1-B5DF-4B43-AD0F-188480491E23}"/>
+                <a16:creationId xmlns:a16="http://schemas.microsoft.com/office/drawing/2014/main" id="{82E50D9C-87B7-49EE-A73A-D42FAF545821}"/>
               </a:ext>
             </a:extLst>
           </p:cNvPr>
-          <p:cNvSpPr>
-            <a:spLocks noGrp="1"/>
-          </p:cNvSpPr>
+          <p:cNvPicPr>
+            <a:picLocks noGrp="1" noChangeAspect="1"/>
+          </p:cNvPicPr>
           <p:nvPr>
             <p:ph idx="1"/>
           </p:nvPr>
-        </p:nvSpPr>
+        </p:nvPicPr>
+        <p:blipFill>
+          <a:blip r:embed="rId2">
+            <a:extLst>
+              <a:ext uri="{28A0092B-C50C-407E-A947-70E740481C1C}">
+                <a14:useLocalDpi xmlns:a14="http://schemas.microsoft.com/office/drawing/2010/main" val="0"/>
+              </a:ext>
+            </a:extLst>
+          </a:blip>
+          <a:stretch>
+            <a:fillRect/>
+          </a:stretch>
+        </p:blipFill>
         <p:spPr>
           <a:xfrm>
-            <a:off x="1085850" y="1638300"/>
-            <a:ext cx="9601200" cy="3581400"/>
-          </a:xfrm>
-        </p:spPr>
-        <p:txBody>
-          <a:bodyPr>
-            <a:noAutofit/>
-          </a:bodyPr>
-          <a:lstStyle/>
-          <a:p>
-            <a:pPr>
-              <a:lnSpc>
-                <a:spcPct val="120000"/>
-              </a:lnSpc>
-            </a:pPr>
-            <a:r>
-              <a:rPr lang="ru-RU" dirty="0"/>
-              <a:t>Обмен по </a:t>
-            </a:r>
-            <a:r>
-              <a:rPr lang="en-US" dirty="0"/>
-              <a:t>UDP</a:t>
-            </a:r>
-          </a:p>
-          <a:p>
-            <a:pPr>
-              <a:lnSpc>
-                <a:spcPct val="120000"/>
-              </a:lnSpc>
-            </a:pPr>
-            <a:r>
-              <a:rPr lang="ru-RU" dirty="0"/>
-              <a:t>Регуляторы </a:t>
-            </a:r>
-            <a:r>
-              <a:rPr lang="en-US" b="1" dirty="0"/>
-              <a:t>k1</a:t>
-            </a:r>
-            <a:r>
-              <a:rPr lang="en-US" dirty="0"/>
-              <a:t> &amp; </a:t>
-            </a:r>
-            <a:r>
-              <a:rPr lang="en-US" b="1" dirty="0"/>
-              <a:t>k2</a:t>
-            </a:r>
-            <a:r>
-              <a:rPr lang="en-US" dirty="0"/>
-              <a:t> </a:t>
-            </a:r>
-            <a:r>
-              <a:rPr lang="ru-RU" dirty="0"/>
-              <a:t>марша и курса в коде</a:t>
-            </a:r>
-          </a:p>
-          <a:p>
-            <a:pPr>
-              <a:lnSpc>
-                <a:spcPct val="120000"/>
-              </a:lnSpc>
-            </a:pPr>
-            <a:r>
-              <a:rPr lang="ru-RU" dirty="0"/>
-              <a:t>Контур курса замкнут</a:t>
-            </a:r>
-          </a:p>
-          <a:p>
-            <a:pPr>
-              <a:lnSpc>
-                <a:spcPct val="120000"/>
-              </a:lnSpc>
-            </a:pPr>
-            <a:r>
-              <a:rPr lang="ru-RU" dirty="0"/>
-              <a:t>Реализовано следование заданной траектории: выборка путевой точки, расчёт желаемого угла курса, определение выхода в точку</a:t>
-            </a:r>
-          </a:p>
-          <a:p>
-            <a:pPr>
-              <a:lnSpc>
-                <a:spcPct val="120000"/>
-              </a:lnSpc>
-            </a:pPr>
-            <a:r>
-              <a:rPr lang="ru-RU" dirty="0"/>
-              <a:t>Формирование управляющих сигналов в коде</a:t>
-            </a:r>
-          </a:p>
-          <a:p>
-            <a:pPr>
-              <a:lnSpc>
-                <a:spcPct val="120000"/>
-              </a:lnSpc>
-            </a:pPr>
-            <a:r>
-              <a:rPr lang="ru-RU" dirty="0"/>
-              <a:t>Реализована система счисления пути</a:t>
-            </a:r>
-          </a:p>
-          <a:p>
-            <a:pPr>
-              <a:lnSpc>
-                <a:spcPct val="120000"/>
-              </a:lnSpc>
-            </a:pPr>
-            <a:r>
-              <a:rPr lang="en-US" dirty="0"/>
-              <a:t>GUI </a:t>
-            </a:r>
-            <a:r>
-              <a:rPr lang="ru-RU" dirty="0"/>
-              <a:t>позволяет изменить скорость маршевого движения и </a:t>
-            </a:r>
-            <a:r>
-              <a:rPr lang="ru-RU" strike="sngStrike" dirty="0" err="1"/>
-              <a:t>скоректировать</a:t>
-            </a:r>
-            <a:r>
-              <a:rPr lang="ru-RU" dirty="0"/>
-              <a:t> сломать регуляторы СУ</a:t>
-            </a:r>
-          </a:p>
-          <a:p>
-            <a:pPr>
-              <a:lnSpc>
-                <a:spcPct val="120000"/>
-              </a:lnSpc>
-            </a:pPr>
-            <a:r>
-              <a:rPr lang="ru-RU" dirty="0"/>
-              <a:t>Сигналы и слоты соединены</a:t>
-            </a:r>
-          </a:p>
-        </p:txBody>
-      </p:sp>
+            <a:off x="3950208" y="851829"/>
+            <a:ext cx="4664132" cy="6006171"/>
+          </a:xfrm>
+        </p:spPr>
+      </p:pic>
     </p:spTree>
     <p:extLst>
       <p:ext uri="{BB962C8B-B14F-4D97-AF65-F5344CB8AC3E}">
-        <p14:creationId xmlns:p14="http://schemas.microsoft.com/office/powerpoint/2010/main" val="1048653372"/>
+        <p14:creationId xmlns:p14="http://schemas.microsoft.com/office/powerpoint/2010/main" val="1763006783"/>
       </p:ext>
     </p:extLst>
   </p:cSld>
@@ -4740,6 +4628,217 @@
           <p:cNvPr id="2" name="Заголовок 1">
             <a:extLst>
               <a:ext uri="{FF2B5EF4-FFF2-40B4-BE49-F238E27FC236}">
+                <a16:creationId xmlns:a16="http://schemas.microsoft.com/office/drawing/2014/main" id="{E26035C0-D543-49CB-BBE5-93EC186C2490}"/>
+              </a:ext>
+            </a:extLst>
+          </p:cNvPr>
+          <p:cNvSpPr>
+            <a:spLocks noGrp="1"/>
+          </p:cNvSpPr>
+          <p:nvPr>
+            <p:ph type="title"/>
+          </p:nvPr>
+        </p:nvSpPr>
+        <p:spPr/>
+        <p:txBody>
+          <a:bodyPr/>
+          <a:lstStyle/>
+          <a:p>
+            <a:r>
+              <a:rPr lang="ru-RU" dirty="0"/>
+              <a:t>Итого</a:t>
+            </a:r>
+          </a:p>
+        </p:txBody>
+      </p:sp>
+      <p:sp>
+        <p:nvSpPr>
+          <p:cNvPr id="3" name="Объект 2">
+            <a:extLst>
+              <a:ext uri="{FF2B5EF4-FFF2-40B4-BE49-F238E27FC236}">
+                <a16:creationId xmlns:a16="http://schemas.microsoft.com/office/drawing/2014/main" id="{A00870E1-B5DF-4B43-AD0F-188480491E23}"/>
+              </a:ext>
+            </a:extLst>
+          </p:cNvPr>
+          <p:cNvSpPr>
+            <a:spLocks noGrp="1"/>
+          </p:cNvSpPr>
+          <p:nvPr>
+            <p:ph idx="1"/>
+          </p:nvPr>
+        </p:nvSpPr>
+        <p:spPr>
+          <a:xfrm>
+            <a:off x="1085850" y="1638300"/>
+            <a:ext cx="9601200" cy="3581400"/>
+          </a:xfrm>
+        </p:spPr>
+        <p:txBody>
+          <a:bodyPr>
+            <a:noAutofit/>
+          </a:bodyPr>
+          <a:lstStyle/>
+          <a:p>
+            <a:pPr>
+              <a:lnSpc>
+                <a:spcPct val="120000"/>
+              </a:lnSpc>
+            </a:pPr>
+            <a:r>
+              <a:rPr lang="ru-RU" dirty="0"/>
+              <a:t>Обмен по </a:t>
+            </a:r>
+            <a:r>
+              <a:rPr lang="en-US" dirty="0"/>
+              <a:t>UDP</a:t>
+            </a:r>
+          </a:p>
+          <a:p>
+            <a:pPr>
+              <a:lnSpc>
+                <a:spcPct val="120000"/>
+              </a:lnSpc>
+            </a:pPr>
+            <a:r>
+              <a:rPr lang="ru-RU" dirty="0"/>
+              <a:t>Регуляторы </a:t>
+            </a:r>
+            <a:r>
+              <a:rPr lang="en-US" b="1" dirty="0"/>
+              <a:t>k1</a:t>
+            </a:r>
+            <a:r>
+              <a:rPr lang="en-US" dirty="0"/>
+              <a:t> &amp; </a:t>
+            </a:r>
+            <a:r>
+              <a:rPr lang="en-US" b="1" dirty="0"/>
+              <a:t>k2</a:t>
+            </a:r>
+            <a:r>
+              <a:rPr lang="en-US" dirty="0"/>
+              <a:t> </a:t>
+            </a:r>
+            <a:r>
+              <a:rPr lang="ru-RU" dirty="0"/>
+              <a:t>марша и курса в коде</a:t>
+            </a:r>
+          </a:p>
+          <a:p>
+            <a:pPr>
+              <a:lnSpc>
+                <a:spcPct val="120000"/>
+              </a:lnSpc>
+            </a:pPr>
+            <a:r>
+              <a:rPr lang="ru-RU" dirty="0"/>
+              <a:t>Контур курса замкнут</a:t>
+            </a:r>
+          </a:p>
+          <a:p>
+            <a:pPr>
+              <a:lnSpc>
+                <a:spcPct val="120000"/>
+              </a:lnSpc>
+            </a:pPr>
+            <a:r>
+              <a:rPr lang="ru-RU" dirty="0"/>
+              <a:t>Реализовано следование заданной траектории: выборка путевой точки, расчёт желаемого угла курса, определение выхода в точку</a:t>
+            </a:r>
+          </a:p>
+          <a:p>
+            <a:pPr>
+              <a:lnSpc>
+                <a:spcPct val="120000"/>
+              </a:lnSpc>
+            </a:pPr>
+            <a:r>
+              <a:rPr lang="ru-RU" dirty="0"/>
+              <a:t>Формирование управляющих сигналов в коде</a:t>
+            </a:r>
+          </a:p>
+          <a:p>
+            <a:pPr>
+              <a:lnSpc>
+                <a:spcPct val="120000"/>
+              </a:lnSpc>
+            </a:pPr>
+            <a:r>
+              <a:rPr lang="ru-RU" dirty="0"/>
+              <a:t>Реализована система счисления пути</a:t>
+            </a:r>
+          </a:p>
+          <a:p>
+            <a:pPr>
+              <a:lnSpc>
+                <a:spcPct val="120000"/>
+              </a:lnSpc>
+            </a:pPr>
+            <a:r>
+              <a:rPr lang="en-US" dirty="0"/>
+              <a:t>GUI </a:t>
+            </a:r>
+            <a:r>
+              <a:rPr lang="ru-RU" dirty="0"/>
+              <a:t>позволяет изменить скорость маршевого движения и </a:t>
+            </a:r>
+            <a:r>
+              <a:rPr lang="ru-RU" strike="sngStrike" dirty="0" err="1"/>
+              <a:t>скоректировать</a:t>
+            </a:r>
+            <a:r>
+              <a:rPr lang="ru-RU" dirty="0"/>
+              <a:t> сломать регуляторы СУ</a:t>
+            </a:r>
+          </a:p>
+          <a:p>
+            <a:pPr>
+              <a:lnSpc>
+                <a:spcPct val="120000"/>
+              </a:lnSpc>
+            </a:pPr>
+            <a:r>
+              <a:rPr lang="ru-RU" dirty="0"/>
+              <a:t>Сигналы и слоты соединены</a:t>
+            </a:r>
+          </a:p>
+        </p:txBody>
+      </p:sp>
+    </p:spTree>
+    <p:extLst>
+      <p:ext uri="{BB962C8B-B14F-4D97-AF65-F5344CB8AC3E}">
+        <p14:creationId xmlns:p14="http://schemas.microsoft.com/office/powerpoint/2010/main" val="1048653372"/>
+      </p:ext>
+    </p:extLst>
+  </p:cSld>
+  <p:clrMapOvr>
+    <a:masterClrMapping/>
+  </p:clrMapOvr>
+</p:sld>
+</file>
+
+<file path=ppt/slides/slide13.xml><?xml version="1.0" encoding="utf-8"?>
+<p:sld xmlns:a="http://schemas.openxmlformats.org/drawingml/2006/main" xmlns:r="http://schemas.openxmlformats.org/officeDocument/2006/relationships" xmlns:p="http://schemas.openxmlformats.org/presentationml/2006/main">
+  <p:cSld>
+    <p:spTree>
+      <p:nvGrpSpPr>
+        <p:cNvPr id="1" name=""/>
+        <p:cNvGrpSpPr/>
+        <p:nvPr/>
+      </p:nvGrpSpPr>
+      <p:grpSpPr>
+        <a:xfrm>
+          <a:off x="0" y="0"/>
+          <a:ext cx="0" cy="0"/>
+          <a:chOff x="0" y="0"/>
+          <a:chExt cx="0" cy="0"/>
+        </a:xfrm>
+      </p:grpSpPr>
+      <p:sp>
+        <p:nvSpPr>
+          <p:cNvPr id="2" name="Заголовок 1">
+            <a:extLst>
+              <a:ext uri="{FF2B5EF4-FFF2-40B4-BE49-F238E27FC236}">
                 <a16:creationId xmlns:a16="http://schemas.microsoft.com/office/drawing/2014/main" id="{D20BEA49-4333-4416-92F7-BB8B0AA9D92B}"/>
               </a:ext>
             </a:extLst>
@@ -4875,7 +4974,7 @@
 </p:sld>
 </file>
 
-<file path=ppt/slides/slide13.xml><?xml version="1.0" encoding="utf-8"?>
+<file path=ppt/slides/slide14.xml><?xml version="1.0" encoding="utf-8"?>
 <p:sld xmlns:a="http://schemas.openxmlformats.org/drawingml/2006/main" xmlns:r="http://schemas.openxmlformats.org/officeDocument/2006/relationships" xmlns:p="http://schemas.openxmlformats.org/presentationml/2006/main">
   <p:cSld>
     <p:spTree>
